--- a/Презентация к курсовому проекту (1).pptx
+++ b/Презентация к курсовому проекту (1).pptx
@@ -11,8 +11,9 @@
     <p:sldId id="259" r:id="rId5"/>
     <p:sldId id="268" r:id="rId6"/>
     <p:sldId id="261" r:id="rId7"/>
-    <p:sldId id="266" r:id="rId8"/>
-    <p:sldId id="267" r:id="rId9"/>
+    <p:sldId id="270" r:id="rId8"/>
+    <p:sldId id="266" r:id="rId9"/>
+    <p:sldId id="267" r:id="rId10"/>
   </p:sldIdLst>
   <p:sldSz cx="12192000" cy="6858000"/>
   <p:notesSz cx="6858000" cy="9144000"/>
@@ -248,7 +249,7 @@
           <a:p>
             <a:fld id="{29F4B57B-1444-4D1D-A91C-A41998AB2002}" type="datetimeFigureOut">
               <a:rPr lang="ru-RU" smtClean="0"/>
-              <a:t>12.02.2023</a:t>
+              <a:t>13.02.2023</a:t>
             </a:fld>
             <a:endParaRPr lang="ru-RU"/>
           </a:p>
@@ -416,7 +417,7 @@
           <a:p>
             <a:fld id="{29F4B57B-1444-4D1D-A91C-A41998AB2002}" type="datetimeFigureOut">
               <a:rPr lang="ru-RU" smtClean="0"/>
-              <a:t>12.02.2023</a:t>
+              <a:t>13.02.2023</a:t>
             </a:fld>
             <a:endParaRPr lang="ru-RU"/>
           </a:p>
@@ -594,7 +595,7 @@
           <a:p>
             <a:fld id="{29F4B57B-1444-4D1D-A91C-A41998AB2002}" type="datetimeFigureOut">
               <a:rPr lang="ru-RU" smtClean="0"/>
-              <a:t>12.02.2023</a:t>
+              <a:t>13.02.2023</a:t>
             </a:fld>
             <a:endParaRPr lang="ru-RU"/>
           </a:p>
@@ -762,7 +763,7 @@
           <a:p>
             <a:fld id="{29F4B57B-1444-4D1D-A91C-A41998AB2002}" type="datetimeFigureOut">
               <a:rPr lang="ru-RU" smtClean="0"/>
-              <a:t>12.02.2023</a:t>
+              <a:t>13.02.2023</a:t>
             </a:fld>
             <a:endParaRPr lang="ru-RU"/>
           </a:p>
@@ -1007,7 +1008,7 @@
           <a:p>
             <a:fld id="{29F4B57B-1444-4D1D-A91C-A41998AB2002}" type="datetimeFigureOut">
               <a:rPr lang="ru-RU" smtClean="0"/>
-              <a:t>12.02.2023</a:t>
+              <a:t>13.02.2023</a:t>
             </a:fld>
             <a:endParaRPr lang="ru-RU"/>
           </a:p>
@@ -1236,7 +1237,7 @@
           <a:p>
             <a:fld id="{29F4B57B-1444-4D1D-A91C-A41998AB2002}" type="datetimeFigureOut">
               <a:rPr lang="ru-RU" smtClean="0"/>
-              <a:t>12.02.2023</a:t>
+              <a:t>13.02.2023</a:t>
             </a:fld>
             <a:endParaRPr lang="ru-RU"/>
           </a:p>
@@ -1600,7 +1601,7 @@
           <a:p>
             <a:fld id="{29F4B57B-1444-4D1D-A91C-A41998AB2002}" type="datetimeFigureOut">
               <a:rPr lang="ru-RU" smtClean="0"/>
-              <a:t>12.02.2023</a:t>
+              <a:t>13.02.2023</a:t>
             </a:fld>
             <a:endParaRPr lang="ru-RU"/>
           </a:p>
@@ -1717,7 +1718,7 @@
           <a:p>
             <a:fld id="{29F4B57B-1444-4D1D-A91C-A41998AB2002}" type="datetimeFigureOut">
               <a:rPr lang="ru-RU" smtClean="0"/>
-              <a:t>12.02.2023</a:t>
+              <a:t>13.02.2023</a:t>
             </a:fld>
             <a:endParaRPr lang="ru-RU"/>
           </a:p>
@@ -1812,7 +1813,7 @@
           <a:p>
             <a:fld id="{29F4B57B-1444-4D1D-A91C-A41998AB2002}" type="datetimeFigureOut">
               <a:rPr lang="ru-RU" smtClean="0"/>
-              <a:t>12.02.2023</a:t>
+              <a:t>13.02.2023</a:t>
             </a:fld>
             <a:endParaRPr lang="ru-RU"/>
           </a:p>
@@ -2087,7 +2088,7 @@
           <a:p>
             <a:fld id="{29F4B57B-1444-4D1D-A91C-A41998AB2002}" type="datetimeFigureOut">
               <a:rPr lang="ru-RU" smtClean="0"/>
-              <a:t>12.02.2023</a:t>
+              <a:t>13.02.2023</a:t>
             </a:fld>
             <a:endParaRPr lang="ru-RU"/>
           </a:p>
@@ -2339,7 +2340,7 @@
           <a:p>
             <a:fld id="{29F4B57B-1444-4D1D-A91C-A41998AB2002}" type="datetimeFigureOut">
               <a:rPr lang="ru-RU" smtClean="0"/>
-              <a:t>12.02.2023</a:t>
+              <a:t>13.02.2023</a:t>
             </a:fld>
             <a:endParaRPr lang="ru-RU"/>
           </a:p>
@@ -2550,7 +2551,7 @@
           <a:p>
             <a:fld id="{29F4B57B-1444-4D1D-A91C-A41998AB2002}" type="datetimeFigureOut">
               <a:rPr lang="ru-RU" smtClean="0"/>
-              <a:t>12.02.2023</a:t>
+              <a:t>13.02.2023</a:t>
             </a:fld>
             <a:endParaRPr lang="ru-RU"/>
           </a:p>
@@ -3575,6 +3576,100 @@
       </p:grpSpPr>
       <p:sp>
         <p:nvSpPr>
+          <p:cNvPr id="2" name="Заголовок 1">
+            <a:extLst>
+              <a:ext uri="{FF2B5EF4-FFF2-40B4-BE49-F238E27FC236}">
+                <a16:creationId xmlns:a16="http://schemas.microsoft.com/office/drawing/2014/main" id="{A8267653-C9D6-41E8-8ED0-2951E365A133}"/>
+              </a:ext>
+            </a:extLst>
+          </p:cNvPr>
+          <p:cNvSpPr>
+            <a:spLocks noGrp="1"/>
+          </p:cNvSpPr>
+          <p:nvPr>
+            <p:ph type="title"/>
+          </p:nvPr>
+        </p:nvSpPr>
+        <p:spPr>
+          <a:xfrm>
+            <a:off x="838200" y="78753"/>
+            <a:ext cx="10515600" cy="602284"/>
+          </a:xfrm>
+        </p:spPr>
+        <p:txBody>
+          <a:bodyPr>
+            <a:normAutofit fontScale="90000"/>
+          </a:bodyPr>
+          <a:lstStyle/>
+          <a:p>
+            <a:r>
+              <a:rPr lang="ru-RU" dirty="0"/>
+              <a:t>Демонстрация процесса игры</a:t>
+            </a:r>
+          </a:p>
+        </p:txBody>
+      </p:sp>
+      <p:pic>
+        <p:nvPicPr>
+          <p:cNvPr id="5" name="Объект 4">
+            <a:extLst>
+              <a:ext uri="{FF2B5EF4-FFF2-40B4-BE49-F238E27FC236}">
+                <a16:creationId xmlns:a16="http://schemas.microsoft.com/office/drawing/2014/main" id="{4DEB1F28-FCFA-44BD-89AD-ACD0108376F9}"/>
+              </a:ext>
+            </a:extLst>
+          </p:cNvPr>
+          <p:cNvPicPr>
+            <a:picLocks noGrp="1" noChangeAspect="1"/>
+          </p:cNvPicPr>
+          <p:nvPr>
+            <p:ph idx="1"/>
+          </p:nvPr>
+        </p:nvPicPr>
+        <p:blipFill>
+          <a:blip r:embed="rId2"/>
+          <a:stretch>
+            <a:fillRect/>
+          </a:stretch>
+        </p:blipFill>
+        <p:spPr>
+          <a:xfrm>
+            <a:off x="2302242" y="797718"/>
+            <a:ext cx="7587515" cy="5262563"/>
+          </a:xfrm>
+        </p:spPr>
+      </p:pic>
+    </p:spTree>
+    <p:extLst>
+      <p:ext uri="{BB962C8B-B14F-4D97-AF65-F5344CB8AC3E}">
+        <p14:creationId xmlns:p14="http://schemas.microsoft.com/office/powerpoint/2010/main" val="2745803640"/>
+      </p:ext>
+    </p:extLst>
+  </p:cSld>
+  <p:clrMapOvr>
+    <a:masterClrMapping/>
+  </p:clrMapOvr>
+</p:sld>
+</file>
+
+<file path=ppt/slides/slide8.xml><?xml version="1.0" encoding="utf-8"?>
+<p:sld xmlns:a="http://schemas.openxmlformats.org/drawingml/2006/main" xmlns:r="http://schemas.openxmlformats.org/officeDocument/2006/relationships" xmlns:p="http://schemas.openxmlformats.org/presentationml/2006/main">
+  <p:cSld>
+    <p:spTree>
+      <p:nvGrpSpPr>
+        <p:cNvPr id="1" name=""/>
+        <p:cNvGrpSpPr/>
+        <p:nvPr/>
+      </p:nvGrpSpPr>
+      <p:grpSpPr>
+        <a:xfrm>
+          <a:off x="0" y="0"/>
+          <a:ext cx="0" cy="0"/>
+          <a:chOff x="0" y="0"/>
+          <a:chExt cx="0" cy="0"/>
+        </a:xfrm>
+      </p:grpSpPr>
+      <p:sp>
+        <p:nvSpPr>
           <p:cNvPr id="2" name="Заголовок 1"/>
           <p:cNvSpPr>
             <a:spLocks noGrp="1"/>
@@ -3653,7 +3748,7 @@
 </p:sld>
 </file>
 
-<file path=ppt/slides/slide8.xml><?xml version="1.0" encoding="utf-8"?>
+<file path=ppt/slides/slide9.xml><?xml version="1.0" encoding="utf-8"?>
 <p:sld xmlns:a="http://schemas.openxmlformats.org/drawingml/2006/main" xmlns:r="http://schemas.openxmlformats.org/officeDocument/2006/relationships" xmlns:p="http://schemas.openxmlformats.org/presentationml/2006/main">
   <p:cSld>
     <p:spTree>
